--- a/spring11/slides11/slides4w.pptx
+++ b/spring11/slides11/slides4w.pptx
@@ -317,7 +317,7 @@
               <a:pPr>
                 <a:defRPr/>
               </a:pPr>
-              <a:t>2/21/11</a:t>
+              <a:t>2/22/11</a:t>
             </a:fld>
             <a:endParaRPr lang="en-US"/>
           </a:p>
@@ -515,7 +515,7 @@
               <a:pPr>
                 <a:defRPr/>
               </a:pPr>
-              <a:t>2/21/11</a:t>
+              <a:t>2/22/11</a:t>
             </a:fld>
             <a:endParaRPr lang="en-US"/>
           </a:p>
@@ -2831,14 +2831,7 @@
                 <a:latin typeface="Comic Sans MS" pitchFamily="66" charset="0"/>
                 <a:sym typeface="Gill Sans" pitchFamily="-112" charset="0"/>
               </a:rPr>
-              <a:t>Albert R Meyer</a:t>
-            </a:r>
-            <a:r>
-              <a:rPr lang="en-US" sz="1200" dirty="0" smtClean="0">
-                <a:latin typeface="Comic Sans MS" pitchFamily="66" charset="0"/>
-                <a:sym typeface="Gill Sans" pitchFamily="-112" charset="0"/>
-              </a:rPr>
-              <a:t>,    Feb 23, 2011</a:t>
+              <a:t>Albert R Meyer,    Feb 23, 2011</a:t>
             </a:r>
             <a:endParaRPr lang="en-US" sz="1200" dirty="0">
               <a:latin typeface="Comic Sans MS" pitchFamily="66" charset="0"/>
@@ -31260,15 +31253,7 @@
                   <a:srgbClr val="000000"/>
                 </a:solidFill>
               </a:rPr>
-              <a:t>)</a:t>
-            </a:r>
-            <a:r>
-              <a:rPr lang="en-US" dirty="0" smtClean="0">
-                <a:solidFill>
-                  <a:srgbClr val="000000"/>
-                </a:solidFill>
-              </a:rPr>
-              <a:t>:</a:t>
+              <a:t>):</a:t>
             </a:r>
             <a:endParaRPr lang="en-US" sz="4400" dirty="0" smtClean="0">
               <a:solidFill>
@@ -33181,14 +33166,7 @@
                 <a:latin typeface="Courier New"/>
                 <a:cs typeface="Courier New"/>
               </a:rPr>
-              <a:t>X,Y,</a:t>
-            </a:r>
-            <a:r>
-              <a:rPr lang="en-US" sz="3600" b="1" dirty="0" smtClean="0">
-                <a:latin typeface="Courier New"/>
-                <a:cs typeface="Courier New"/>
-              </a:rPr>
-              <a:t>Z</a:t>
+              <a:t>X,Y,Z</a:t>
             </a:r>
           </a:p>
           <a:p>
@@ -33197,21 +33175,7 @@
                 <a:latin typeface="Courier New"/>
                 <a:cs typeface="Courier New"/>
               </a:rPr>
-              <a:t> X</a:t>
-            </a:r>
-            <a:r>
-              <a:rPr lang="en-US" sz="3200" b="1" dirty="0" smtClean="0">
-                <a:latin typeface="Courier New"/>
-                <a:cs typeface="Courier New"/>
-              </a:rPr>
-              <a:t>:</a:t>
-            </a:r>
-            <a:r>
-              <a:rPr lang="en-US" sz="3200" b="1" dirty="0" smtClean="0">
-                <a:latin typeface="Courier New"/>
-                <a:cs typeface="Courier New"/>
-              </a:rPr>
-              <a:t>= </a:t>
+              <a:t> X:= </a:t>
             </a:r>
             <a:r>
               <a:rPr lang="en-US" sz="3200" b="1" dirty="0" smtClean="0">
@@ -33228,28 +33192,7 @@
                 <a:latin typeface="Courier New"/>
                 <a:cs typeface="Courier New"/>
               </a:rPr>
-              <a:t>;  Y:</a:t>
-            </a:r>
-            <a:r>
-              <a:rPr lang="en-US" sz="3200" b="1" dirty="0" smtClean="0">
-                <a:latin typeface="Courier New"/>
-                <a:cs typeface="Courier New"/>
-              </a:rPr>
-              <a:t>= 1</a:t>
-            </a:r>
-            <a:r>
-              <a:rPr lang="en-US" sz="3200" b="1" dirty="0" smtClean="0">
-                <a:latin typeface="Courier New"/>
-                <a:cs typeface="Courier New"/>
-              </a:rPr>
-              <a:t>;  Z:</a:t>
-            </a:r>
-            <a:r>
-              <a:rPr lang="en-US" sz="3200" b="1" dirty="0" smtClean="0">
-                <a:latin typeface="Courier New"/>
-                <a:cs typeface="Courier New"/>
-              </a:rPr>
-              <a:t>= </a:t>
+              <a:t>;  Y:= 1;  Z:= </a:t>
             </a:r>
             <a:r>
               <a:rPr lang="en-US" sz="3200" b="1" dirty="0" err="1" smtClean="0">
@@ -33268,10 +33211,6 @@
               </a:rPr>
               <a:t>;</a:t>
             </a:r>
-            <a:endParaRPr lang="en-US" sz="3200" b="1" dirty="0" smtClean="0">
-              <a:latin typeface="Courier New"/>
-              <a:cs typeface="Courier New"/>
-            </a:endParaRPr>
           </a:p>
           <a:p>
             <a:r>
@@ -33279,19 +33218,17 @@
                 <a:latin typeface="Courier New"/>
                 <a:cs typeface="Courier New"/>
               </a:rPr>
-              <a:t> REPEAT</a:t>
-            </a:r>
+              <a:t> REPEAT:</a:t>
+            </a:r>
+          </a:p>
+          <a:p>
             <a:r>
               <a:rPr lang="en-US" sz="3200" b="1" dirty="0" smtClean="0">
                 <a:latin typeface="Courier New"/>
                 <a:cs typeface="Courier New"/>
               </a:rPr>
-              <a:t>:</a:t>
-            </a:r>
-            <a:endParaRPr lang="en-US" sz="3200" b="1" dirty="0" smtClean="0">
-              <a:latin typeface="Courier New"/>
-              <a:cs typeface="Courier New"/>
-            </a:endParaRPr>
+              <a:t> if Z=0, then return Y</a:t>
+            </a:r>
           </a:p>
           <a:p>
             <a:r>
@@ -33299,19 +33236,17 @@
                 <a:latin typeface="Courier New"/>
                 <a:cs typeface="Courier New"/>
               </a:rPr>
-              <a:t> if </a:t>
-            </a:r>
+              <a:t> R:= remdr(Z,2); Z:= quotnt(Z,2)</a:t>
+            </a:r>
+          </a:p>
+          <a:p>
             <a:r>
               <a:rPr lang="en-US" sz="3200" b="1" dirty="0" smtClean="0">
                 <a:latin typeface="Courier New"/>
                 <a:cs typeface="Courier New"/>
               </a:rPr>
-              <a:t>Z=0, then return Y</a:t>
-            </a:r>
-            <a:endParaRPr lang="en-US" sz="3200" b="1" dirty="0" smtClean="0">
-              <a:latin typeface="Courier New"/>
-              <a:cs typeface="Courier New"/>
-            </a:endParaRPr>
+              <a:t> if R=1,then Y:= X⋅Y</a:t>
+            </a:r>
           </a:p>
           <a:p>
             <a:r>
@@ -33319,103 +33254,7 @@
                 <a:latin typeface="Courier New"/>
                 <a:cs typeface="Courier New"/>
               </a:rPr>
-              <a:t> R</a:t>
-            </a:r>
-            <a:r>
-              <a:rPr lang="en-US" sz="3200" b="1" dirty="0" smtClean="0">
-                <a:latin typeface="Courier New"/>
-                <a:cs typeface="Courier New"/>
-              </a:rPr>
-              <a:t>:</a:t>
-            </a:r>
-            <a:r>
-              <a:rPr lang="en-US" sz="3200" b="1" dirty="0" smtClean="0">
-                <a:latin typeface="Courier New"/>
-                <a:cs typeface="Courier New"/>
-              </a:rPr>
-              <a:t>= remdr(</a:t>
-            </a:r>
-            <a:r>
-              <a:rPr lang="en-US" sz="3200" b="1" dirty="0" smtClean="0">
-                <a:latin typeface="Courier New"/>
-                <a:cs typeface="Courier New"/>
-              </a:rPr>
-              <a:t>Z,2); Z:</a:t>
-            </a:r>
-            <a:r>
-              <a:rPr lang="en-US" sz="3200" b="1" dirty="0" smtClean="0">
-                <a:latin typeface="Courier New"/>
-                <a:cs typeface="Courier New"/>
-              </a:rPr>
-              <a:t>= quotnt</a:t>
-            </a:r>
-            <a:r>
-              <a:rPr lang="en-US" sz="3200" b="1" dirty="0" smtClean="0">
-                <a:latin typeface="Courier New"/>
-                <a:cs typeface="Courier New"/>
-              </a:rPr>
-              <a:t>(Z,2)</a:t>
-            </a:r>
-            <a:endParaRPr lang="en-US" sz="3200" b="1" dirty="0" smtClean="0">
-              <a:latin typeface="Courier New"/>
-              <a:cs typeface="Courier New"/>
-            </a:endParaRPr>
-          </a:p>
-          <a:p>
-            <a:r>
-              <a:rPr lang="en-US" sz="3200" b="1" dirty="0" smtClean="0">
-                <a:latin typeface="Courier New"/>
-                <a:cs typeface="Courier New"/>
-              </a:rPr>
-              <a:t> if </a:t>
-            </a:r>
-            <a:r>
-              <a:rPr lang="en-US" sz="3200" b="1" dirty="0" smtClean="0">
-                <a:latin typeface="Courier New"/>
-                <a:cs typeface="Courier New"/>
-              </a:rPr>
-              <a:t>R=1,then Y:</a:t>
-            </a:r>
-            <a:r>
-              <a:rPr lang="en-US" sz="3200" b="1" dirty="0" smtClean="0">
-                <a:latin typeface="Courier New"/>
-                <a:cs typeface="Courier New"/>
-              </a:rPr>
-              <a:t>= X</a:t>
-            </a:r>
-            <a:r>
-              <a:rPr lang="en-US" sz="3200" b="1" dirty="0" smtClean="0">
-                <a:latin typeface="Courier New"/>
-                <a:cs typeface="Courier New"/>
-              </a:rPr>
-              <a:t>⋅Y</a:t>
-            </a:r>
-            <a:endParaRPr lang="en-US" sz="3200" b="1" dirty="0" smtClean="0">
-              <a:latin typeface="Courier New"/>
-              <a:cs typeface="Courier New"/>
-            </a:endParaRPr>
-          </a:p>
-          <a:p>
-            <a:r>
-              <a:rPr lang="en-US" sz="3200" b="1" dirty="0" smtClean="0">
-                <a:latin typeface="Courier New"/>
-                <a:cs typeface="Courier New"/>
-              </a:rPr>
-              <a:t> X</a:t>
-            </a:r>
-            <a:r>
-              <a:rPr lang="en-US" sz="3200" b="1" dirty="0" smtClean="0">
-                <a:latin typeface="Courier New"/>
-                <a:cs typeface="Courier New"/>
-              </a:rPr>
-              <a:t>:</a:t>
-            </a:r>
-            <a:r>
-              <a:rPr lang="en-US" sz="3200" b="1" dirty="0" smtClean="0">
-                <a:latin typeface="Courier New"/>
-                <a:cs typeface="Courier New"/>
-              </a:rPr>
-              <a:t>= X</a:t>
+              <a:t> X:= X</a:t>
             </a:r>
             <a:r>
               <a:rPr lang="en-US" sz="3200" b="1" baseline="30000" dirty="0" smtClean="0">
@@ -33424,10 +33263,6 @@
               </a:rPr>
               <a:t>2</a:t>
             </a:r>
-            <a:endParaRPr lang="en-US" sz="3200" b="1" baseline="30000" dirty="0" smtClean="0">
-              <a:latin typeface="Courier New"/>
-              <a:cs typeface="Courier New"/>
-            </a:endParaRPr>
           </a:p>
         </p:txBody>
       </p:sp>
@@ -33453,11 +33288,7 @@
           <a:p>
             <a:r>
               <a:rPr lang="en-US" dirty="0" smtClean="0"/>
-              <a:t>Fast </a:t>
-            </a:r>
-            <a:r>
-              <a:rPr lang="en-US" dirty="0" smtClean="0"/>
-              <a:t>Exponentiation</a:t>
+              <a:t>Fast Exponentiation</a:t>
             </a:r>
             <a:endParaRPr lang="en-US" dirty="0"/>
           </a:p>
@@ -33928,11 +33759,7 @@
             <a:pPr marL="304800" indent="-304800" eaLnBrk="1" hangingPunct="1"/>
             <a:r>
               <a:rPr lang="en-US" dirty="0" smtClean="0"/>
-              <a:t>transitions :</a:t>
-            </a:r>
-            <a:r>
-              <a:rPr lang="en-US" dirty="0" smtClean="0"/>
-              <a:t>:= (</a:t>
+              <a:t>transitions ::= (</a:t>
             </a:r>
             <a:r>
               <a:rPr lang="en-US" b="1" dirty="0" smtClean="0">
@@ -33943,11 +33770,7 @@
             </a:r>
             <a:r>
               <a:rPr lang="en-US" dirty="0" smtClean="0"/>
-              <a:t>)</a:t>
-            </a:r>
-            <a:r>
-              <a:rPr lang="en-US" dirty="0" smtClean="0"/>
-              <a:t> </a:t>
+              <a:t>) </a:t>
             </a:r>
             <a:r>
               <a:rPr lang="en-US" sz="3600" b="1" dirty="0" smtClean="0">
@@ -34011,15 +33834,7 @@
             </a:r>
             <a:r>
               <a:rPr lang="en-US" dirty="0" smtClean="0"/>
-              <a:t>&gt;</a:t>
-            </a:r>
-            <a:r>
-              <a:rPr lang="en-US" dirty="0" smtClean="0"/>
-              <a:t>0</a:t>
-            </a:r>
-            <a:r>
-              <a:rPr lang="en-US" dirty="0" smtClean="0"/>
-              <a:t> is even</a:t>
+              <a:t>&gt;0 is even</a:t>
             </a:r>
           </a:p>
           <a:p>
@@ -34052,11 +33867,7 @@
             </a:r>
             <a:r>
               <a:rPr lang="en-US" dirty="0" smtClean="0"/>
-              <a:t>, quotnt</a:t>
-            </a:r>
-            <a:r>
-              <a:rPr lang="en-US" dirty="0" smtClean="0"/>
-              <a:t>(</a:t>
+              <a:t>, quotnt(</a:t>
             </a:r>
             <a:r>
               <a:rPr lang="en-US" b="1" dirty="0" smtClean="0">
@@ -34078,13 +33889,8 @@
             </a:r>
             <a:r>
               <a:rPr lang="en-US" dirty="0" smtClean="0"/>
-              <a:t>&gt;0 is</a:t>
-            </a:r>
-            <a:r>
-              <a:rPr lang="en-US" dirty="0" smtClean="0"/>
-              <a:t> odd</a:t>
-            </a:r>
-            <a:endParaRPr lang="en-US" dirty="0" smtClean="0"/>
+              <a:t>&gt;0 is odd</a:t>
+            </a:r>
           </a:p>
         </p:txBody>
       </p:sp>
@@ -34187,11 +33993,7 @@
           <a:p>
             <a:r>
               <a:rPr lang="en-US" dirty="0" smtClean="0"/>
-              <a:t>Fast </a:t>
-            </a:r>
-            <a:r>
-              <a:rPr lang="en-US" dirty="0" smtClean="0"/>
-              <a:t>Exponentiation</a:t>
+              <a:t>Fast Exponentiation</a:t>
             </a:r>
             <a:endParaRPr lang="en-US" dirty="0"/>
           </a:p>
@@ -34662,11 +34464,7 @@
             </a:r>
             <a:r>
               <a:rPr lang="en-US" sz="5400" dirty="0" smtClean="0"/>
-              <a:t> </a:t>
-            </a:r>
-            <a:r>
-              <a:rPr lang="en-US" sz="5400" dirty="0" smtClean="0"/>
-              <a:t>= </a:t>
+              <a:t> = </a:t>
             </a:r>
             <a:r>
               <a:rPr lang="en-US" sz="5400" dirty="0" err="1" smtClean="0">
@@ -34677,21 +34475,14 @@
               <a:t>a</a:t>
             </a:r>
             <a:r>
-              <a:rPr lang="en-US" sz="6000" b="1" dirty="0" err="1" smtClean="0">
-                <a:latin typeface="Courier New"/>
-                <a:cs typeface="Courier New"/>
-              </a:rPr>
-              <a:t>⋅</a:t>
-            </a:r>
-            <a:r>
-              <a:rPr lang="en-US" sz="6000" dirty="0" err="1" smtClean="0">
+              <a:rPr lang="en-US" sz="6000" baseline="30000" dirty="0" err="1" smtClean="0">
                 <a:solidFill>
                   <a:srgbClr val="0000FF"/>
                 </a:solidFill>
               </a:rPr>
               <a:t>b</a:t>
             </a:r>
-            <a:endParaRPr lang="en-US" sz="6000" dirty="0" smtClean="0">
+            <a:endParaRPr lang="en-US" sz="6000" baseline="30000" dirty="0" smtClean="0">
               <a:solidFill>
                 <a:srgbClr val="0000FF"/>
               </a:solidFill>
@@ -34812,7 +34603,14 @@
                 <a:latin typeface="Courier New"/>
                 <a:cs typeface="Courier New"/>
               </a:rPr>
-              <a:t>X</a:t>
+              <a:t>X⋅Y</a:t>
+            </a:r>
+            <a:r>
+              <a:rPr lang="en-US" sz="4800" dirty="0" smtClean="0">
+                <a:latin typeface="Courier New"/>
+                <a:cs typeface="Courier New"/>
+              </a:rPr>
+              <a:t>,</a:t>
             </a:r>
             <a:r>
               <a:rPr lang="en-US" sz="4800" dirty="0" smtClean="0">
@@ -34822,14 +34620,28 @@
                 <a:latin typeface="Courier New"/>
                 <a:cs typeface="Courier New"/>
               </a:rPr>
-              <a:t>⋅Y</a:t>
+              <a:t>(Z-1)/2</a:t>
             </a:r>
             <a:r>
               <a:rPr lang="en-US" sz="4800" dirty="0" smtClean="0">
                 <a:latin typeface="Courier New"/>
                 <a:cs typeface="Courier New"/>
               </a:rPr>
-              <a:t>,</a:t>
+              <a:t>)</a:t>
+            </a:r>
+          </a:p>
+          <a:p>
+            <a:pPr marL="304800" indent="-304800" eaLnBrk="1" hangingPunct="1">
+              <a:spcBef>
+                <a:spcPct val="0"/>
+              </a:spcBef>
+            </a:pPr>
+            <a:r>
+              <a:rPr lang="en-US" sz="4800" dirty="0" smtClean="0">
+                <a:latin typeface="Courier New"/>
+                <a:cs typeface="Courier New"/>
+              </a:rPr>
+              <a:t>(</a:t>
             </a:r>
             <a:r>
               <a:rPr lang="en-US" sz="4800" dirty="0" smtClean="0">
@@ -34839,28 +34651,14 @@
                 <a:latin typeface="Courier New"/>
                 <a:cs typeface="Courier New"/>
               </a:rPr>
-              <a:t>(Z-1)/2</a:t>
+              <a:t>X⋅Y</a:t>
             </a:r>
             <a:r>
               <a:rPr lang="en-US" sz="4800" dirty="0" smtClean="0">
                 <a:latin typeface="Courier New"/>
                 <a:cs typeface="Courier New"/>
               </a:rPr>
-              <a:t>)</a:t>
-            </a:r>
-          </a:p>
-          <a:p>
-            <a:pPr marL="304800" indent="-304800" eaLnBrk="1" hangingPunct="1">
-              <a:spcBef>
-                <a:spcPct val="0"/>
-              </a:spcBef>
-            </a:pPr>
-            <a:r>
-              <a:rPr lang="en-US" sz="4800" dirty="0" smtClean="0">
-                <a:latin typeface="Courier New"/>
-                <a:cs typeface="Courier New"/>
-              </a:rPr>
-              <a:t>(</a:t>
+              <a:t>)(</a:t>
             </a:r>
             <a:r>
               <a:rPr lang="en-US" sz="4800" dirty="0" smtClean="0">
@@ -34870,23 +34668,6 @@
                 <a:latin typeface="Courier New"/>
                 <a:cs typeface="Courier New"/>
               </a:rPr>
-              <a:t>X⋅Y</a:t>
-            </a:r>
-            <a:r>
-              <a:rPr lang="en-US" sz="4800" dirty="0" smtClean="0">
-                <a:latin typeface="Courier New"/>
-                <a:cs typeface="Courier New"/>
-              </a:rPr>
-              <a:t>)(</a:t>
-            </a:r>
-            <a:r>
-              <a:rPr lang="en-US" sz="4800" dirty="0" smtClean="0">
-                <a:solidFill>
-                  <a:srgbClr val="008000"/>
-                </a:solidFill>
-                <a:latin typeface="Courier New"/>
-                <a:cs typeface="Courier New"/>
-              </a:rPr>
               <a:t>X</a:t>
             </a:r>
             <a:r>
@@ -34928,42 +34709,14 @@
                 <a:latin typeface="Courier New"/>
                 <a:cs typeface="Courier New"/>
               </a:rPr>
-              <a:t>=</a:t>
-            </a:r>
-            <a:r>
-              <a:rPr lang="en-US" sz="4800" dirty="0" smtClean="0">
-                <a:latin typeface="Courier New"/>
-                <a:cs typeface="Courier New"/>
-              </a:rPr>
-              <a:t>(X⋅Y</a:t>
-            </a:r>
-            <a:r>
-              <a:rPr lang="en-US" sz="4800" dirty="0" smtClean="0">
-                <a:latin typeface="Courier New"/>
-                <a:cs typeface="Courier New"/>
-              </a:rPr>
-              <a:t>)X</a:t>
+              <a:t>=(X⋅Y)X</a:t>
             </a:r>
             <a:r>
               <a:rPr lang="en-US" sz="4800" baseline="30000" dirty="0" smtClean="0">
                 <a:latin typeface="Courier New"/>
                 <a:cs typeface="Courier New"/>
               </a:rPr>
-              <a:t>Z</a:t>
-            </a:r>
-            <a:r>
-              <a:rPr lang="en-US" sz="4800" baseline="30000" dirty="0" smtClean="0">
-                <a:latin typeface="Courier New"/>
-                <a:cs typeface="Courier New"/>
-              </a:rPr>
-              <a:t>-</a:t>
-            </a:r>
-            <a:r>
-              <a:rPr lang="en-US" sz="4800" baseline="30000" dirty="0" smtClean="0">
-                <a:latin typeface="Courier New"/>
-                <a:cs typeface="Courier New"/>
-              </a:rPr>
-              <a:t>1</a:t>
+              <a:t>Z-1</a:t>
             </a:r>
           </a:p>
           <a:p>
@@ -34991,7 +34744,14 @@
                 <a:latin typeface="Courier New"/>
                 <a:cs typeface="Courier New"/>
               </a:rPr>
-              <a:t>= </a:t>
+              <a:t>=</a:t>
+            </a:r>
+            <a:r>
+              <a:rPr lang="en-US" sz="4800" dirty="0" smtClean="0">
+                <a:latin typeface="Courier New"/>
+                <a:cs typeface="Courier New"/>
+              </a:rPr>
+              <a:t> </a:t>
             </a:r>
             <a:r>
               <a:rPr lang="en-US" sz="4400" dirty="0" err="1" smtClean="0">
@@ -35002,14 +34762,7 @@
               <a:t>a</a:t>
             </a:r>
             <a:r>
-              <a:rPr lang="en-US" sz="4800" b="1" dirty="0" err="1" smtClean="0">
-                <a:latin typeface="Courier New"/>
-                <a:cs typeface="Courier New"/>
-              </a:rPr>
-              <a:t>⋅</a:t>
-            </a:r>
-            <a:r>
-              <a:rPr lang="en-US" sz="4800" dirty="0" err="1" smtClean="0">
+              <a:rPr lang="en-US" sz="4800" baseline="30000" dirty="0" err="1" smtClean="0">
                 <a:solidFill>
                   <a:srgbClr val="0000FF"/>
                 </a:solidFill>
@@ -35125,11 +34878,7 @@
           <a:p>
             <a:r>
               <a:rPr lang="en-US" dirty="0" smtClean="0"/>
-              <a:t>Fast </a:t>
-            </a:r>
-            <a:r>
-              <a:rPr lang="en-US" dirty="0" smtClean="0"/>
-              <a:t>Exponentiation</a:t>
+              <a:t>Fast Exponentiation</a:t>
             </a:r>
             <a:endParaRPr lang="en-US" dirty="0"/>
           </a:p>
@@ -35561,11 +35310,11 @@
             </a:r>
             <a:r>
               <a:rPr lang="en-US" sz="5400" dirty="0" smtClean="0"/>
+              <a:t> =</a:t>
+            </a:r>
+            <a:r>
+              <a:rPr lang="en-US" sz="5400" dirty="0" smtClean="0"/>
               <a:t> </a:t>
-            </a:r>
-            <a:r>
-              <a:rPr lang="en-US" sz="5400" dirty="0" smtClean="0"/>
-              <a:t>= </a:t>
             </a:r>
             <a:r>
               <a:rPr lang="en-US" sz="5400" dirty="0" err="1" smtClean="0">
@@ -35576,14 +35325,7 @@
               <a:t>a</a:t>
             </a:r>
             <a:r>
-              <a:rPr lang="en-US" sz="6000" b="1" dirty="0" err="1" smtClean="0">
-                <a:latin typeface="Courier New"/>
-                <a:cs typeface="Courier New"/>
-              </a:rPr>
-              <a:t>⋅</a:t>
-            </a:r>
-            <a:r>
-              <a:rPr lang="en-US" sz="6000" dirty="0" err="1" smtClean="0">
+              <a:rPr lang="en-US" sz="6000" baseline="30000" dirty="0" err="1" smtClean="0">
                 <a:solidFill>
                   <a:srgbClr val="0000FF"/>
                 </a:solidFill>
@@ -35648,11 +35390,11 @@
             </a:r>
             <a:r>
               <a:rPr lang="en-US" sz="6600" dirty="0" smtClean="0"/>
+              <a:t> =</a:t>
+            </a:r>
+            <a:r>
+              <a:rPr lang="en-US" sz="6600" dirty="0" smtClean="0"/>
               <a:t> </a:t>
-            </a:r>
-            <a:r>
-              <a:rPr lang="en-US" sz="6600" dirty="0" smtClean="0"/>
-              <a:t>= </a:t>
             </a:r>
             <a:r>
               <a:rPr lang="en-US" sz="6600" dirty="0" err="1" smtClean="0">
@@ -35663,14 +35405,7 @@
               <a:t>a</a:t>
             </a:r>
             <a:r>
-              <a:rPr lang="en-US" sz="6600" b="1" dirty="0" err="1" smtClean="0">
-                <a:latin typeface="Courier New"/>
-                <a:cs typeface="Courier New"/>
-              </a:rPr>
-              <a:t>⋅</a:t>
-            </a:r>
-            <a:r>
-              <a:rPr lang="en-US" sz="6600" dirty="0" err="1" smtClean="0">
+              <a:rPr lang="en-US" sz="7200" baseline="30000" dirty="0" err="1" smtClean="0">
                 <a:solidFill>
                   <a:srgbClr val="0000FF"/>
                 </a:solidFill>
@@ -36202,21 +35937,7 @@
                 <a:latin typeface="Courier New"/>
                 <a:cs typeface="Courier New"/>
               </a:rPr>
-              <a:t>quotient</a:t>
-            </a:r>
-            <a:r>
-              <a:rPr lang="en-US" sz="6000" dirty="0" smtClean="0">
-                <a:latin typeface="Courier New"/>
-                <a:cs typeface="Courier New"/>
-              </a:rPr>
-              <a:t>(Z,2</a:t>
-            </a:r>
-            <a:r>
-              <a:rPr lang="en-US" sz="6000" dirty="0" smtClean="0">
-                <a:latin typeface="Courier New"/>
-                <a:cs typeface="Courier New"/>
-              </a:rPr>
-              <a:t>)</a:t>
+              <a:t>quotient(Z,2)</a:t>
             </a:r>
             <a:endParaRPr lang="en-US" sz="6000" dirty="0" smtClean="0">
               <a:cs typeface="Comic Sans MS"/>
@@ -36340,17 +36061,7 @@
                 <a:latin typeface="Symbol" charset="2"/>
                 <a:cs typeface="Symbol" charset="2"/>
               </a:rPr>
-              <a:t>≤</a:t>
-            </a:r>
-            <a:r>
-              <a:rPr lang="en-US" sz="5400" dirty="0" smtClean="0">
-                <a:solidFill>
-                  <a:schemeClr val="tx2"/>
-                </a:solidFill>
-                <a:latin typeface="Symbol" charset="2"/>
-                <a:cs typeface="Symbol" charset="2"/>
-              </a:rPr>
-              <a:t>  </a:t>
+              <a:t>≤  </a:t>
             </a:r>
             <a:r>
               <a:rPr lang="en-US" sz="5400" dirty="0" smtClean="0">
@@ -41972,7 +41683,6 @@
               <a:rPr lang="en-US" sz="11500" dirty="0"/>
               <a:t>3</a:t>
             </a:r>
-            <a:endParaRPr lang="en-US" sz="11500" dirty="0"/>
           </a:p>
         </p:txBody>
       </p:sp>

--- a/spring11/slides11/slides4w.pptx
+++ b/spring11/slides11/slides4w.pptx
@@ -317,7 +317,7 @@
               <a:pPr>
                 <a:defRPr/>
               </a:pPr>
-              <a:t>2/22/11</a:t>
+              <a:t>2/24/11</a:t>
             </a:fld>
             <a:endParaRPr lang="en-US"/>
           </a:p>
@@ -515,7 +515,7 @@
               <a:pPr>
                 <a:defRPr/>
               </a:pPr>
-              <a:t>2/22/11</a:t>
+              <a:t>2/24/11</a:t>
             </a:fld>
             <a:endParaRPr lang="en-US"/>
           </a:p>
@@ -33166,7 +33166,14 @@
                 <a:latin typeface="Courier New"/>
                 <a:cs typeface="Courier New"/>
               </a:rPr>
-              <a:t>X,Y,Z</a:t>
+              <a:t>X,Y,</a:t>
+            </a:r>
+            <a:r>
+              <a:rPr lang="en-US" sz="3600" b="1" dirty="0" smtClean="0">
+                <a:latin typeface="Courier New"/>
+                <a:cs typeface="Courier New"/>
+              </a:rPr>
+              <a:t>Z,R</a:t>
             </a:r>
           </a:p>
           <a:p>
@@ -34744,14 +34751,7 @@
                 <a:latin typeface="Courier New"/>
                 <a:cs typeface="Courier New"/>
               </a:rPr>
-              <a:t>=</a:t>
-            </a:r>
-            <a:r>
-              <a:rPr lang="en-US" sz="4800" dirty="0" smtClean="0">
-                <a:latin typeface="Courier New"/>
-                <a:cs typeface="Courier New"/>
-              </a:rPr>
-              <a:t> </a:t>
+              <a:t>= </a:t>
             </a:r>
             <a:r>
               <a:rPr lang="en-US" sz="4400" dirty="0" err="1" smtClean="0">
@@ -35310,11 +35310,7 @@
             </a:r>
             <a:r>
               <a:rPr lang="en-US" sz="5400" dirty="0" smtClean="0"/>
-              <a:t> =</a:t>
-            </a:r>
-            <a:r>
-              <a:rPr lang="en-US" sz="5400" dirty="0" smtClean="0"/>
-              <a:t> </a:t>
+              <a:t> = </a:t>
             </a:r>
             <a:r>
               <a:rPr lang="en-US" sz="5400" dirty="0" err="1" smtClean="0">
@@ -35390,11 +35386,7 @@
             </a:r>
             <a:r>
               <a:rPr lang="en-US" sz="6600" dirty="0" smtClean="0"/>
-              <a:t> =</a:t>
-            </a:r>
-            <a:r>
-              <a:rPr lang="en-US" sz="6600" dirty="0" smtClean="0"/>
-              <a:t> </a:t>
+              <a:t> = </a:t>
             </a:r>
             <a:r>
               <a:rPr lang="en-US" sz="6600" dirty="0" err="1" smtClean="0">
